--- a/assignment-a/Visualizing-KPIs.pptx
+++ b/assignment-a/Visualizing-KPIs.pptx
@@ -4995,7 +4995,7 @@
       </p:sp>
       <p:pic>
         <p:nvPicPr>
-          <p:cNvPr id="5" name="Audio 4">
+          <p:cNvPr id="15" name="Audio 14">
             <a:hlinkClick r:id="" action="ppaction://media"/>
           </p:cNvPr>
           <p:cNvPicPr>
@@ -5038,10 +5038,10 @@
   </p:clrMapOvr>
   <mc:AlternateContent xmlns:mc="http://schemas.openxmlformats.org/markup-compatibility/2006">
     <mc:Choice xmlns:p14="http://schemas.microsoft.com/office/powerpoint/2010/main" Requires="p14">
-      <p:transition spd="slow" p14:dur="2000" advTm="6593"/>
+      <p:transition spd="slow" p14:dur="2000" advTm="6922"/>
     </mc:Choice>
     <mc:Fallback>
-      <p:transition spd="slow" advTm="6593"/>
+      <p:transition spd="slow" advTm="6922"/>
     </mc:Fallback>
   </mc:AlternateContent>
   <p:timing>
@@ -5077,7 +5077,7 @@
                                       <p:cBhvr>
                                         <p:cTn id="6" dur="1" fill="hold"/>
                                         <p:tgtEl>
-                                          <p:spTgt spid="5"/>
+                                          <p:spTgt spid="15"/>
                                         </p:tgtEl>
                                       </p:cBhvr>
                                     </p:cmd>
@@ -5122,7 +5122,7 @@
                   </p:endCondLst>
                 </p:cTn>
                 <p:tgtEl>
-                  <p:spTgt spid="5"/>
+                  <p:spTgt spid="15"/>
                 </p:tgtEl>
               </p:cMediaNode>
             </p:audio>
@@ -5265,6 +5265,39 @@
           </a:p>
         </p:txBody>
       </p:sp>
+      <p:pic>
+        <p:nvPicPr>
+          <p:cNvPr id="10" name="Audio 9">
+            <a:hlinkClick r:id="" action="ppaction://media"/>
+          </p:cNvPr>
+          <p:cNvPicPr>
+            <a:picLocks noChangeAspect="1"/>
+          </p:cNvPicPr>
+          <p:nvPr>
+            <a:audioFile r:link="rId2"/>
+            <p:extLst>
+              <p:ext uri="{DAA4B4D4-6D71-4841-9C94-3DE7FCFB9230}">
+                <p14:media xmlns:p14="http://schemas.microsoft.com/office/powerpoint/2010/main" r:embed="rId1"/>
+              </p:ext>
+            </p:extLst>
+          </p:nvPr>
+        </p:nvPicPr>
+        <p:blipFill>
+          <a:blip r:embed="rId4"/>
+          <a:stretch>
+            <a:fillRect/>
+          </a:stretch>
+        </p:blipFill>
+        <p:spPr>
+          <a:xfrm>
+            <a:off x="11366500" y="6032500"/>
+            <a:ext cx="609600" cy="609600"/>
+          </a:xfrm>
+          <a:prstGeom prst="rect">
+            <a:avLst/>
+          </a:prstGeom>
+        </p:spPr>
+      </p:pic>
     </p:spTree>
     <p:extLst>
       <p:ext uri="{BB962C8B-B14F-4D97-AF65-F5344CB8AC3E}">
@@ -5277,16 +5310,96 @@
   </p:clrMapOvr>
   <mc:AlternateContent xmlns:mc="http://schemas.openxmlformats.org/markup-compatibility/2006">
     <mc:Choice xmlns:p14="http://schemas.microsoft.com/office/powerpoint/2010/main" Requires="p14">
-      <p:transition spd="slow" p14:dur="2000" advTm="271"/>
+      <p:transition spd="slow" p14:dur="2000" advTm="35562"/>
     </mc:Choice>
     <mc:Fallback>
-      <p:transition spd="slow" advTm="271"/>
+      <p:transition spd="slow" advTm="35562"/>
     </mc:Fallback>
   </mc:AlternateContent>
   <p:timing>
     <p:tnLst>
       <p:par>
-        <p:cTn id="1" dur="indefinite" restart="never" nodeType="tmRoot"/>
+        <p:cTn id="1" dur="indefinite" restart="never" nodeType="tmRoot">
+          <p:childTnLst>
+            <p:seq concurrent="1" nextAc="seek">
+              <p:cTn id="2" dur="indefinite" nodeType="mainSeq">
+                <p:childTnLst>
+                  <p:par>
+                    <p:cTn id="3" fill="hold">
+                      <p:stCondLst>
+                        <p:cond delay="indefinite"/>
+                        <p:cond evt="onBegin" delay="0">
+                          <p:tn val="2"/>
+                        </p:cond>
+                      </p:stCondLst>
+                      <p:childTnLst>
+                        <p:par>
+                          <p:cTn id="4" fill="hold">
+                            <p:stCondLst>
+                              <p:cond delay="0"/>
+                            </p:stCondLst>
+                            <p:childTnLst>
+                              <p:par>
+                                <p:cTn id="5" presetID="1" presetClass="mediacall" presetSubtype="0" fill="hold" nodeType="afterEffect">
+                                  <p:stCondLst>
+                                    <p:cond delay="0"/>
+                                  </p:stCondLst>
+                                  <p:childTnLst>
+                                    <p:cmd type="call" cmd="playFrom(0.0)">
+                                      <p:cBhvr>
+                                        <p:cTn id="6" dur="1" fill="hold"/>
+                                        <p:tgtEl>
+                                          <p:spTgt spid="10"/>
+                                        </p:tgtEl>
+                                      </p:cBhvr>
+                                    </p:cmd>
+                                  </p:childTnLst>
+                                </p:cTn>
+                              </p:par>
+                            </p:childTnLst>
+                          </p:cTn>
+                        </p:par>
+                      </p:childTnLst>
+                    </p:cTn>
+                  </p:par>
+                </p:childTnLst>
+              </p:cTn>
+              <p:prevCondLst>
+                <p:cond evt="onPrev" delay="0">
+                  <p:tgtEl>
+                    <p:sldTgt/>
+                  </p:tgtEl>
+                </p:cond>
+              </p:prevCondLst>
+              <p:nextCondLst>
+                <p:cond evt="onNext" delay="0">
+                  <p:tgtEl>
+                    <p:sldTgt/>
+                  </p:tgtEl>
+                </p:cond>
+              </p:nextCondLst>
+            </p:seq>
+            <p:audio isNarration="1">
+              <p:cMediaNode vol="80000" showWhenStopped="0">
+                <p:cTn id="7" fill="hold" display="0">
+                  <p:stCondLst>
+                    <p:cond delay="indefinite"/>
+                  </p:stCondLst>
+                  <p:endCondLst>
+                    <p:cond evt="onStopAudio" delay="0">
+                      <p:tgtEl>
+                        <p:sldTgt/>
+                      </p:tgtEl>
+                    </p:cond>
+                  </p:endCondLst>
+                </p:cTn>
+                <p:tgtEl>
+                  <p:spTgt spid="10"/>
+                </p:tgtEl>
+              </p:cMediaNode>
+            </p:audio>
+          </p:childTnLst>
+        </p:cTn>
       </p:par>
     </p:tnLst>
   </p:timing>
@@ -5368,7 +5481,7 @@
           <a:p>
             <a:r>
               <a:rPr lang="da-DK" dirty="0" smtClean="0"/>
-              <a:t>- Build a decision tree to identify users that  are likely to cancel their subscription. </a:t>
+              <a:t>- Build a decision tree to identify users that are likely to cancel their subscription. </a:t>
             </a:r>
             <a:br>
               <a:rPr lang="da-DK" dirty="0" smtClean="0"/>
@@ -5380,6 +5493,39 @@
           </a:p>
         </p:txBody>
       </p:sp>
+      <p:pic>
+        <p:nvPicPr>
+          <p:cNvPr id="12" name="Audio 11">
+            <a:hlinkClick r:id="" action="ppaction://media"/>
+          </p:cNvPr>
+          <p:cNvPicPr>
+            <a:picLocks noChangeAspect="1"/>
+          </p:cNvPicPr>
+          <p:nvPr>
+            <a:audioFile r:link="rId2"/>
+            <p:extLst>
+              <p:ext uri="{DAA4B4D4-6D71-4841-9C94-3DE7FCFB9230}">
+                <p14:media xmlns:p14="http://schemas.microsoft.com/office/powerpoint/2010/main" r:embed="rId1"/>
+              </p:ext>
+            </p:extLst>
+          </p:nvPr>
+        </p:nvPicPr>
+        <p:blipFill>
+          <a:blip r:embed="rId4"/>
+          <a:stretch>
+            <a:fillRect/>
+          </a:stretch>
+        </p:blipFill>
+        <p:spPr>
+          <a:xfrm>
+            <a:off x="11366500" y="6032500"/>
+            <a:ext cx="609600" cy="609600"/>
+          </a:xfrm>
+          <a:prstGeom prst="rect">
+            <a:avLst/>
+          </a:prstGeom>
+        </p:spPr>
+      </p:pic>
     </p:spTree>
     <p:extLst>
       <p:ext uri="{BB962C8B-B14F-4D97-AF65-F5344CB8AC3E}">
@@ -5392,16 +5538,96 @@
   </p:clrMapOvr>
   <mc:AlternateContent xmlns:mc="http://schemas.openxmlformats.org/markup-compatibility/2006">
     <mc:Choice xmlns:p14="http://schemas.microsoft.com/office/powerpoint/2010/main" Requires="p14">
-      <p:transition spd="slow" p14:dur="2000" advTm="257"/>
+      <p:transition spd="slow" p14:dur="2000" advTm="38736"/>
     </mc:Choice>
     <mc:Fallback>
-      <p:transition spd="slow" advTm="257"/>
+      <p:transition spd="slow" advTm="38736"/>
     </mc:Fallback>
   </mc:AlternateContent>
   <p:timing>
     <p:tnLst>
       <p:par>
-        <p:cTn id="1" dur="indefinite" restart="never" nodeType="tmRoot"/>
+        <p:cTn id="1" dur="indefinite" restart="never" nodeType="tmRoot">
+          <p:childTnLst>
+            <p:seq concurrent="1" nextAc="seek">
+              <p:cTn id="2" dur="indefinite" nodeType="mainSeq">
+                <p:childTnLst>
+                  <p:par>
+                    <p:cTn id="3" fill="hold">
+                      <p:stCondLst>
+                        <p:cond delay="indefinite"/>
+                        <p:cond evt="onBegin" delay="0">
+                          <p:tn val="2"/>
+                        </p:cond>
+                      </p:stCondLst>
+                      <p:childTnLst>
+                        <p:par>
+                          <p:cTn id="4" fill="hold">
+                            <p:stCondLst>
+                              <p:cond delay="0"/>
+                            </p:stCondLst>
+                            <p:childTnLst>
+                              <p:par>
+                                <p:cTn id="5" presetID="1" presetClass="mediacall" presetSubtype="0" fill="hold" nodeType="afterEffect">
+                                  <p:stCondLst>
+                                    <p:cond delay="0"/>
+                                  </p:stCondLst>
+                                  <p:childTnLst>
+                                    <p:cmd type="call" cmd="playFrom(0.0)">
+                                      <p:cBhvr>
+                                        <p:cTn id="6" dur="1" fill="hold"/>
+                                        <p:tgtEl>
+                                          <p:spTgt spid="12"/>
+                                        </p:tgtEl>
+                                      </p:cBhvr>
+                                    </p:cmd>
+                                  </p:childTnLst>
+                                </p:cTn>
+                              </p:par>
+                            </p:childTnLst>
+                          </p:cTn>
+                        </p:par>
+                      </p:childTnLst>
+                    </p:cTn>
+                  </p:par>
+                </p:childTnLst>
+              </p:cTn>
+              <p:prevCondLst>
+                <p:cond evt="onPrev" delay="0">
+                  <p:tgtEl>
+                    <p:sldTgt/>
+                  </p:tgtEl>
+                </p:cond>
+              </p:prevCondLst>
+              <p:nextCondLst>
+                <p:cond evt="onNext" delay="0">
+                  <p:tgtEl>
+                    <p:sldTgt/>
+                  </p:tgtEl>
+                </p:cond>
+              </p:nextCondLst>
+            </p:seq>
+            <p:audio isNarration="1">
+              <p:cMediaNode vol="80000" showWhenStopped="0">
+                <p:cTn id="7" fill="hold" display="0">
+                  <p:stCondLst>
+                    <p:cond delay="indefinite"/>
+                  </p:stCondLst>
+                  <p:endCondLst>
+                    <p:cond evt="onStopAudio" delay="0">
+                      <p:tgtEl>
+                        <p:sldTgt/>
+                      </p:tgtEl>
+                    </p:cond>
+                  </p:endCondLst>
+                </p:cTn>
+                <p:tgtEl>
+                  <p:spTgt spid="12"/>
+                </p:tgtEl>
+              </p:cMediaNode>
+            </p:audio>
+          </p:childTnLst>
+        </p:cTn>
       </p:par>
     </p:tnLst>
   </p:timing>
@@ -5501,6 +5727,39 @@
           </a:p>
         </p:txBody>
       </p:sp>
+      <p:pic>
+        <p:nvPicPr>
+          <p:cNvPr id="6" name="Audio 5">
+            <a:hlinkClick r:id="" action="ppaction://media"/>
+          </p:cNvPr>
+          <p:cNvPicPr>
+            <a:picLocks noChangeAspect="1"/>
+          </p:cNvPicPr>
+          <p:nvPr>
+            <a:audioFile r:link="rId2"/>
+            <p:extLst>
+              <p:ext uri="{DAA4B4D4-6D71-4841-9C94-3DE7FCFB9230}">
+                <p14:media xmlns:p14="http://schemas.microsoft.com/office/powerpoint/2010/main" r:embed="rId1"/>
+              </p:ext>
+            </p:extLst>
+          </p:nvPr>
+        </p:nvPicPr>
+        <p:blipFill>
+          <a:blip r:embed="rId4"/>
+          <a:stretch>
+            <a:fillRect/>
+          </a:stretch>
+        </p:blipFill>
+        <p:spPr>
+          <a:xfrm>
+            <a:off x="11366500" y="6032500"/>
+            <a:ext cx="609600" cy="609600"/>
+          </a:xfrm>
+          <a:prstGeom prst="rect">
+            <a:avLst/>
+          </a:prstGeom>
+        </p:spPr>
+      </p:pic>
     </p:spTree>
     <p:extLst>
       <p:ext uri="{BB962C8B-B14F-4D97-AF65-F5344CB8AC3E}">
@@ -5513,16 +5772,96 @@
   </p:clrMapOvr>
   <mc:AlternateContent xmlns:mc="http://schemas.openxmlformats.org/markup-compatibility/2006">
     <mc:Choice xmlns:p14="http://schemas.microsoft.com/office/powerpoint/2010/main" Requires="p14">
-      <p:transition spd="slow" p14:dur="2000" advTm="239"/>
+      <p:transition spd="slow" p14:dur="2000" advTm="69792"/>
     </mc:Choice>
     <mc:Fallback>
-      <p:transition spd="slow" advTm="239"/>
+      <p:transition spd="slow" advTm="69792"/>
     </mc:Fallback>
   </mc:AlternateContent>
   <p:timing>
     <p:tnLst>
       <p:par>
-        <p:cTn id="1" dur="indefinite" restart="never" nodeType="tmRoot"/>
+        <p:cTn id="1" dur="indefinite" restart="never" nodeType="tmRoot">
+          <p:childTnLst>
+            <p:seq concurrent="1" nextAc="seek">
+              <p:cTn id="2" dur="indefinite" nodeType="mainSeq">
+                <p:childTnLst>
+                  <p:par>
+                    <p:cTn id="3" fill="hold">
+                      <p:stCondLst>
+                        <p:cond delay="indefinite"/>
+                        <p:cond evt="onBegin" delay="0">
+                          <p:tn val="2"/>
+                        </p:cond>
+                      </p:stCondLst>
+                      <p:childTnLst>
+                        <p:par>
+                          <p:cTn id="4" fill="hold">
+                            <p:stCondLst>
+                              <p:cond delay="0"/>
+                            </p:stCondLst>
+                            <p:childTnLst>
+                              <p:par>
+                                <p:cTn id="5" presetID="1" presetClass="mediacall" presetSubtype="0" fill="hold" nodeType="afterEffect">
+                                  <p:stCondLst>
+                                    <p:cond delay="0"/>
+                                  </p:stCondLst>
+                                  <p:childTnLst>
+                                    <p:cmd type="call" cmd="playFrom(0.0)">
+                                      <p:cBhvr>
+                                        <p:cTn id="6" dur="1" fill="hold"/>
+                                        <p:tgtEl>
+                                          <p:spTgt spid="6"/>
+                                        </p:tgtEl>
+                                      </p:cBhvr>
+                                    </p:cmd>
+                                  </p:childTnLst>
+                                </p:cTn>
+                              </p:par>
+                            </p:childTnLst>
+                          </p:cTn>
+                        </p:par>
+                      </p:childTnLst>
+                    </p:cTn>
+                  </p:par>
+                </p:childTnLst>
+              </p:cTn>
+              <p:prevCondLst>
+                <p:cond evt="onPrev" delay="0">
+                  <p:tgtEl>
+                    <p:sldTgt/>
+                  </p:tgtEl>
+                </p:cond>
+              </p:prevCondLst>
+              <p:nextCondLst>
+                <p:cond evt="onNext" delay="0">
+                  <p:tgtEl>
+                    <p:sldTgt/>
+                  </p:tgtEl>
+                </p:cond>
+              </p:nextCondLst>
+            </p:seq>
+            <p:audio isNarration="1">
+              <p:cMediaNode vol="80000" showWhenStopped="0">
+                <p:cTn id="7" fill="hold" display="0">
+                  <p:stCondLst>
+                    <p:cond delay="indefinite"/>
+                  </p:stCondLst>
+                  <p:endCondLst>
+                    <p:cond evt="onStopAudio" delay="0">
+                      <p:tgtEl>
+                        <p:sldTgt/>
+                      </p:tgtEl>
+                    </p:cond>
+                  </p:endCondLst>
+                </p:cTn>
+                <p:tgtEl>
+                  <p:spTgt spid="6"/>
+                </p:tgtEl>
+              </p:cMediaNode>
+            </p:audio>
+          </p:childTnLst>
+        </p:cTn>
       </p:par>
     </p:tnLst>
   </p:timing>
@@ -5634,6 +5973,39 @@
           </a:p>
         </p:txBody>
       </p:sp>
+      <p:pic>
+        <p:nvPicPr>
+          <p:cNvPr id="9" name="Audio 8">
+            <a:hlinkClick r:id="" action="ppaction://media"/>
+          </p:cNvPr>
+          <p:cNvPicPr>
+            <a:picLocks noChangeAspect="1"/>
+          </p:cNvPicPr>
+          <p:nvPr>
+            <a:audioFile r:link="rId2"/>
+            <p:extLst>
+              <p:ext uri="{DAA4B4D4-6D71-4841-9C94-3DE7FCFB9230}">
+                <p14:media xmlns:p14="http://schemas.microsoft.com/office/powerpoint/2010/main" r:embed="rId1"/>
+              </p:ext>
+            </p:extLst>
+          </p:nvPr>
+        </p:nvPicPr>
+        <p:blipFill>
+          <a:blip r:embed="rId4"/>
+          <a:stretch>
+            <a:fillRect/>
+          </a:stretch>
+        </p:blipFill>
+        <p:spPr>
+          <a:xfrm>
+            <a:off x="11341786" y="5991311"/>
+            <a:ext cx="609600" cy="609600"/>
+          </a:xfrm>
+          <a:prstGeom prst="rect">
+            <a:avLst/>
+          </a:prstGeom>
+        </p:spPr>
+      </p:pic>
     </p:spTree>
     <p:extLst>
       <p:ext uri="{BB962C8B-B14F-4D97-AF65-F5344CB8AC3E}">
@@ -5646,16 +6018,96 @@
   </p:clrMapOvr>
   <mc:AlternateContent xmlns:mc="http://schemas.openxmlformats.org/markup-compatibility/2006">
     <mc:Choice xmlns:p14="http://schemas.microsoft.com/office/powerpoint/2010/main" Requires="p14">
-      <p:transition spd="slow" p14:dur="2000" advTm="207"/>
+      <p:transition spd="slow" p14:dur="2000" advTm="26389"/>
     </mc:Choice>
     <mc:Fallback>
-      <p:transition spd="slow" advTm="207"/>
+      <p:transition spd="slow" advTm="26389"/>
     </mc:Fallback>
   </mc:AlternateContent>
   <p:timing>
     <p:tnLst>
       <p:par>
-        <p:cTn id="1" dur="indefinite" restart="never" nodeType="tmRoot"/>
+        <p:cTn id="1" dur="indefinite" restart="never" nodeType="tmRoot">
+          <p:childTnLst>
+            <p:seq concurrent="1" nextAc="seek">
+              <p:cTn id="2" dur="indefinite" nodeType="mainSeq">
+                <p:childTnLst>
+                  <p:par>
+                    <p:cTn id="3" fill="hold">
+                      <p:stCondLst>
+                        <p:cond delay="indefinite"/>
+                        <p:cond evt="onBegin" delay="0">
+                          <p:tn val="2"/>
+                        </p:cond>
+                      </p:stCondLst>
+                      <p:childTnLst>
+                        <p:par>
+                          <p:cTn id="4" fill="hold">
+                            <p:stCondLst>
+                              <p:cond delay="0"/>
+                            </p:stCondLst>
+                            <p:childTnLst>
+                              <p:par>
+                                <p:cTn id="5" presetID="1" presetClass="mediacall" presetSubtype="0" fill="hold" nodeType="afterEffect">
+                                  <p:stCondLst>
+                                    <p:cond delay="0"/>
+                                  </p:stCondLst>
+                                  <p:childTnLst>
+                                    <p:cmd type="call" cmd="playFrom(0.0)">
+                                      <p:cBhvr>
+                                        <p:cTn id="6" dur="1" fill="hold"/>
+                                        <p:tgtEl>
+                                          <p:spTgt spid="9"/>
+                                        </p:tgtEl>
+                                      </p:cBhvr>
+                                    </p:cmd>
+                                  </p:childTnLst>
+                                </p:cTn>
+                              </p:par>
+                            </p:childTnLst>
+                          </p:cTn>
+                        </p:par>
+                      </p:childTnLst>
+                    </p:cTn>
+                  </p:par>
+                </p:childTnLst>
+              </p:cTn>
+              <p:prevCondLst>
+                <p:cond evt="onPrev" delay="0">
+                  <p:tgtEl>
+                    <p:sldTgt/>
+                  </p:tgtEl>
+                </p:cond>
+              </p:prevCondLst>
+              <p:nextCondLst>
+                <p:cond evt="onNext" delay="0">
+                  <p:tgtEl>
+                    <p:sldTgt/>
+                  </p:tgtEl>
+                </p:cond>
+              </p:nextCondLst>
+            </p:seq>
+            <p:audio isNarration="1">
+              <p:cMediaNode vol="80000" showWhenStopped="0">
+                <p:cTn id="7" fill="hold" display="0">
+                  <p:stCondLst>
+                    <p:cond delay="indefinite"/>
+                  </p:stCondLst>
+                  <p:endCondLst>
+                    <p:cond evt="onStopAudio" delay="0">
+                      <p:tgtEl>
+                        <p:sldTgt/>
+                      </p:tgtEl>
+                    </p:cond>
+                  </p:endCondLst>
+                </p:cTn>
+                <p:tgtEl>
+                  <p:spTgt spid="9"/>
+                </p:tgtEl>
+              </p:cMediaNode>
+            </p:audio>
+          </p:childTnLst>
+        </p:cTn>
       </p:par>
     </p:tnLst>
   </p:timing>
